--- a/artificial_intelligence/final_project/csc_480_final_presentation.pptx
+++ b/artificial_intelligence/final_project/csc_480_final_presentation.pptx
@@ -333,7 +333,7 @@
           <a:p>
             <a:fld id="{1778F24D-EB19-4AE0-B015-2BEA6D5224F2}" type="datetimeFigureOut">
               <a:rPr lang="en-US" smtClean="0"/>
-              <a:t>2/25/17</a:t>
+              <a:t>3/7/17</a:t>
             </a:fld>
             <a:endParaRPr lang="en-US"/>
           </a:p>
@@ -655,7 +655,7 @@
           <a:p>
             <a:fld id="{1778F24D-EB19-4AE0-B015-2BEA6D5224F2}" type="datetimeFigureOut">
               <a:rPr lang="en-US" smtClean="0"/>
-              <a:t>2/25/17</a:t>
+              <a:t>3/7/17</a:t>
             </a:fld>
             <a:endParaRPr lang="en-US"/>
           </a:p>
@@ -932,7 +932,7 @@
           <a:p>
             <a:fld id="{1778F24D-EB19-4AE0-B015-2BEA6D5224F2}" type="datetimeFigureOut">
               <a:rPr lang="en-US" smtClean="0"/>
-              <a:t>2/25/17</a:t>
+              <a:t>3/7/17</a:t>
             </a:fld>
             <a:endParaRPr lang="en-US"/>
           </a:p>
@@ -1226,7 +1226,7 @@
           <a:p>
             <a:fld id="{1778F24D-EB19-4AE0-B015-2BEA6D5224F2}" type="datetimeFigureOut">
               <a:rPr lang="en-US" smtClean="0"/>
-              <a:t>2/25/17</a:t>
+              <a:t>3/7/17</a:t>
             </a:fld>
             <a:endParaRPr lang="en-US"/>
           </a:p>
@@ -1555,7 +1555,7 @@
           <a:p>
             <a:fld id="{1778F24D-EB19-4AE0-B015-2BEA6D5224F2}" type="datetimeFigureOut">
               <a:rPr lang="en-US" smtClean="0"/>
-              <a:t>2/25/17</a:t>
+              <a:t>3/7/17</a:t>
             </a:fld>
             <a:endParaRPr lang="en-US"/>
           </a:p>
@@ -1806,7 +1806,7 @@
           <a:p>
             <a:fld id="{1778F24D-EB19-4AE0-B015-2BEA6D5224F2}" type="datetimeFigureOut">
               <a:rPr lang="en-US" smtClean="0"/>
-              <a:t>2/25/17</a:t>
+              <a:t>3/7/17</a:t>
             </a:fld>
             <a:endParaRPr lang="en-US"/>
           </a:p>
@@ -1985,7 +1985,7 @@
           <a:p>
             <a:fld id="{1778F24D-EB19-4AE0-B015-2BEA6D5224F2}" type="datetimeFigureOut">
               <a:rPr lang="en-US" smtClean="0"/>
-              <a:t>2/25/17</a:t>
+              <a:t>3/7/17</a:t>
             </a:fld>
             <a:endParaRPr lang="en-US"/>
           </a:p>
@@ -2154,7 +2154,7 @@
           <a:p>
             <a:fld id="{1778F24D-EB19-4AE0-B015-2BEA6D5224F2}" type="datetimeFigureOut">
               <a:rPr lang="en-US" smtClean="0"/>
-              <a:t>2/25/17</a:t>
+              <a:t>3/7/17</a:t>
             </a:fld>
             <a:endParaRPr lang="en-US"/>
           </a:p>
@@ -2423,7 +2423,7 @@
           <a:p>
             <a:fld id="{1778F24D-EB19-4AE0-B015-2BEA6D5224F2}" type="datetimeFigureOut">
               <a:rPr lang="en-US" smtClean="0"/>
-              <a:t>2/25/17</a:t>
+              <a:t>3/7/17</a:t>
             </a:fld>
             <a:endParaRPr lang="en-US"/>
           </a:p>
@@ -2730,7 +2730,7 @@
           <a:p>
             <a:fld id="{1778F24D-EB19-4AE0-B015-2BEA6D5224F2}" type="datetimeFigureOut">
               <a:rPr lang="en-US" smtClean="0"/>
-              <a:t>2/25/17</a:t>
+              <a:t>3/7/17</a:t>
             </a:fld>
             <a:endParaRPr lang="en-US"/>
           </a:p>
@@ -3022,7 +3022,7 @@
           <a:p>
             <a:fld id="{1778F24D-EB19-4AE0-B015-2BEA6D5224F2}" type="datetimeFigureOut">
               <a:rPr lang="en-US" smtClean="0"/>
-              <a:t>2/25/17</a:t>
+              <a:t>3/7/17</a:t>
             </a:fld>
             <a:endParaRPr lang="en-US"/>
           </a:p>
@@ -3452,7 +3452,7 @@
           <a:p>
             <a:fld id="{1778F24D-EB19-4AE0-B015-2BEA6D5224F2}" type="datetimeFigureOut">
               <a:rPr lang="en-US" smtClean="0"/>
-              <a:t>2/25/17</a:t>
+              <a:t>3/7/17</a:t>
             </a:fld>
             <a:endParaRPr lang="en-US"/>
           </a:p>
@@ -3798,7 +3798,7 @@
           <a:p>
             <a:fld id="{1778F24D-EB19-4AE0-B015-2BEA6D5224F2}" type="datetimeFigureOut">
               <a:rPr lang="en-US" smtClean="0"/>
-              <a:t>2/25/17</a:t>
+              <a:t>3/7/17</a:t>
             </a:fld>
             <a:endParaRPr lang="en-US"/>
           </a:p>
@@ -3888,7 +3888,7 @@
           <a:p>
             <a:fld id="{1778F24D-EB19-4AE0-B015-2BEA6D5224F2}" type="datetimeFigureOut">
               <a:rPr lang="en-US" smtClean="0"/>
-              <a:t>2/25/17</a:t>
+              <a:t>3/7/17</a:t>
             </a:fld>
             <a:endParaRPr lang="en-US"/>
           </a:p>
@@ -4225,7 +4225,7 @@
           <a:p>
             <a:fld id="{1778F24D-EB19-4AE0-B015-2BEA6D5224F2}" type="datetimeFigureOut">
               <a:rPr lang="en-US" smtClean="0"/>
-              <a:t>2/25/17</a:t>
+              <a:t>3/7/17</a:t>
             </a:fld>
             <a:endParaRPr lang="en-US"/>
           </a:p>
@@ -4437,7 +4437,7 @@
           <a:p>
             <a:fld id="{1778F24D-EB19-4AE0-B015-2BEA6D5224F2}" type="datetimeFigureOut">
               <a:rPr lang="en-US" smtClean="0"/>
-              <a:t>2/25/17</a:t>
+              <a:t>3/7/17</a:t>
             </a:fld>
             <a:endParaRPr lang="en-US"/>
           </a:p>
@@ -5409,11 +5409,7 @@
           <a:p>
             <a:r>
               <a:rPr lang="en-US" dirty="0" smtClean="0"/>
-              <a:t>Brimstone </a:t>
-            </a:r>
-            <a:r>
-              <a:rPr lang="en-US" dirty="0" err="1" smtClean="0"/>
-              <a:t>Missle</a:t>
+              <a:t>Brimstone Missile</a:t>
             </a:r>
             <a:endParaRPr lang="en-US" dirty="0"/>
           </a:p>
@@ -6191,7 +6187,7 @@
           <a:p>
             <a:r>
               <a:rPr lang="en-US" dirty="0" smtClean="0"/>
-              <a:t>Brimstone</a:t>
+              <a:t>Future</a:t>
             </a:r>
             <a:endParaRPr lang="en-US" dirty="0"/>
           </a:p>
